--- a/Presentation/Happiness-team.pptx
+++ b/Presentation/Happiness-team.pptx
@@ -20650,7 +20650,7 @@
             </a:r>
             <a:r>
               <a:rPr lang="en-GB" dirty="0"/>
-              <a:t> Raiser, Jennifer Dersjant</a:t>
+              <a:t> Raiser &amp; Jennifer Dersjant</a:t>
             </a:r>
           </a:p>
         </p:txBody>
@@ -20780,13 +20780,8 @@
           <a:p>
             <a:r>
               <a:rPr lang="en-GB" dirty="0"/>
-              <a:t>- </a:t>
+              <a:t>- GIT pull</a:t>
             </a:r>
-            <a:r>
-              <a:rPr lang="en-GB"/>
-              <a:t>GIT pull</a:t>
-            </a:r>
-            <a:endParaRPr lang="en-GB" dirty="0"/>
           </a:p>
         </p:txBody>
       </p:sp>
